--- a/task/lesson5/通过案例学javascript编程5.pptx
+++ b/task/lesson5/通过案例学javascript编程5.pptx
@@ -3109,7 +3109,7 @@
                 <a:latin typeface="微软雅黑" panose="020B0503020204020204" charset="-122"/>
                 <a:ea typeface="微软雅黑" panose="020B0503020204020204" charset="-122"/>
               </a:rPr>
-              <a:t>4</a:t>
+              <a:t>5</a:t>
             </a:r>
             <a:r>
               <a:rPr lang="zh-CN" altLang="en-US">
